--- a/Final Presentation.pptx
+++ b/Final Presentation.pptx
@@ -866,7 +866,7 @@
           <a:p>
             <a:fld id="{010A7FB3-A316-402C-99FC-ECFF33919AD8}" type="datetimeFigureOut">
               <a:rPr lang="en-US" smtClean="0"/>
-              <a:t>4/13/2019</a:t>
+              <a:t>4/13/19</a:t>
             </a:fld>
             <a:endParaRPr lang="en-US"/>
           </a:p>
@@ -1117,7 +1117,7 @@
           <a:p>
             <a:fld id="{010A7FB3-A316-402C-99FC-ECFF33919AD8}" type="datetimeFigureOut">
               <a:rPr lang="en-US" smtClean="0"/>
-              <a:t>4/13/2019</a:t>
+              <a:t>4/13/19</a:t>
             </a:fld>
             <a:endParaRPr lang="en-US"/>
           </a:p>
@@ -1431,7 +1431,7 @@
           <a:p>
             <a:fld id="{010A7FB3-A316-402C-99FC-ECFF33919AD8}" type="datetimeFigureOut">
               <a:rPr lang="en-US" smtClean="0"/>
-              <a:t>4/13/2019</a:t>
+              <a:t>4/13/19</a:t>
             </a:fld>
             <a:endParaRPr lang="en-US"/>
           </a:p>
@@ -1772,7 +1772,7 @@
           <a:p>
             <a:fld id="{010A7FB3-A316-402C-99FC-ECFF33919AD8}" type="datetimeFigureOut">
               <a:rPr lang="en-US" smtClean="0"/>
-              <a:t>4/13/2019</a:t>
+              <a:t>4/13/19</a:t>
             </a:fld>
             <a:endParaRPr lang="en-US"/>
           </a:p>
@@ -2086,7 +2086,7 @@
           <a:p>
             <a:fld id="{010A7FB3-A316-402C-99FC-ECFF33919AD8}" type="datetimeFigureOut">
               <a:rPr lang="en-US" smtClean="0"/>
-              <a:t>4/13/2019</a:t>
+              <a:t>4/13/19</a:t>
             </a:fld>
             <a:endParaRPr lang="en-US"/>
           </a:p>
@@ -2479,7 +2479,7 @@
           <a:p>
             <a:fld id="{010A7FB3-A316-402C-99FC-ECFF33919AD8}" type="datetimeFigureOut">
               <a:rPr lang="en-US" smtClean="0"/>
-              <a:t>4/13/2019</a:t>
+              <a:t>4/13/19</a:t>
             </a:fld>
             <a:endParaRPr lang="en-US"/>
           </a:p>
@@ -2649,7 +2649,7 @@
           <a:p>
             <a:fld id="{010A7FB3-A316-402C-99FC-ECFF33919AD8}" type="datetimeFigureOut">
               <a:rPr lang="en-US" smtClean="0"/>
-              <a:t>4/13/2019</a:t>
+              <a:t>4/13/19</a:t>
             </a:fld>
             <a:endParaRPr lang="en-US"/>
           </a:p>
@@ -2829,7 +2829,7 @@
           <a:p>
             <a:fld id="{010A7FB3-A316-402C-99FC-ECFF33919AD8}" type="datetimeFigureOut">
               <a:rPr lang="en-US" smtClean="0"/>
-              <a:t>4/13/2019</a:t>
+              <a:t>4/13/19</a:t>
             </a:fld>
             <a:endParaRPr lang="en-US"/>
           </a:p>
@@ -3005,7 +3005,7 @@
           <a:p>
             <a:fld id="{010A7FB3-A316-402C-99FC-ECFF33919AD8}" type="datetimeFigureOut">
               <a:rPr lang="en-US" smtClean="0"/>
-              <a:t>4/13/2019</a:t>
+              <a:t>4/13/19</a:t>
             </a:fld>
             <a:endParaRPr lang="en-US"/>
           </a:p>
@@ -3252,7 +3252,7 @@
           <a:p>
             <a:fld id="{010A7FB3-A316-402C-99FC-ECFF33919AD8}" type="datetimeFigureOut">
               <a:rPr lang="en-US" smtClean="0"/>
-              <a:t>4/13/2019</a:t>
+              <a:t>4/13/19</a:t>
             </a:fld>
             <a:endParaRPr lang="en-US"/>
           </a:p>
@@ -3484,7 +3484,7 @@
           <a:p>
             <a:fld id="{010A7FB3-A316-402C-99FC-ECFF33919AD8}" type="datetimeFigureOut">
               <a:rPr lang="en-US" smtClean="0"/>
-              <a:t>4/13/2019</a:t>
+              <a:t>4/13/19</a:t>
             </a:fld>
             <a:endParaRPr lang="en-US"/>
           </a:p>
@@ -3858,7 +3858,7 @@
           <a:p>
             <a:fld id="{010A7FB3-A316-402C-99FC-ECFF33919AD8}" type="datetimeFigureOut">
               <a:rPr lang="en-US" smtClean="0"/>
-              <a:t>4/13/2019</a:t>
+              <a:t>4/13/19</a:t>
             </a:fld>
             <a:endParaRPr lang="en-US"/>
           </a:p>
@@ -3981,7 +3981,7 @@
           <a:p>
             <a:fld id="{010A7FB3-A316-402C-99FC-ECFF33919AD8}" type="datetimeFigureOut">
               <a:rPr lang="en-US" smtClean="0"/>
-              <a:t>4/13/2019</a:t>
+              <a:t>4/13/19</a:t>
             </a:fld>
             <a:endParaRPr lang="en-US"/>
           </a:p>
@@ -4076,7 +4076,7 @@
           <a:p>
             <a:fld id="{010A7FB3-A316-402C-99FC-ECFF33919AD8}" type="datetimeFigureOut">
               <a:rPr lang="en-US" smtClean="0"/>
-              <a:t>4/13/2019</a:t>
+              <a:t>4/13/19</a:t>
             </a:fld>
             <a:endParaRPr lang="en-US"/>
           </a:p>
@@ -4331,7 +4331,7 @@
           <a:p>
             <a:fld id="{010A7FB3-A316-402C-99FC-ECFF33919AD8}" type="datetimeFigureOut">
               <a:rPr lang="en-US" smtClean="0"/>
-              <a:t>4/13/2019</a:t>
+              <a:t>4/13/19</a:t>
             </a:fld>
             <a:endParaRPr lang="en-US"/>
           </a:p>
@@ -4594,7 +4594,7 @@
           <a:p>
             <a:fld id="{010A7FB3-A316-402C-99FC-ECFF33919AD8}" type="datetimeFigureOut">
               <a:rPr lang="en-US" smtClean="0"/>
-              <a:t>4/13/2019</a:t>
+              <a:t>4/13/19</a:t>
             </a:fld>
             <a:endParaRPr lang="en-US"/>
           </a:p>
@@ -5337,7 +5337,7 @@
           <a:p>
             <a:fld id="{010A7FB3-A316-402C-99FC-ECFF33919AD8}" type="datetimeFigureOut">
               <a:rPr lang="en-US" smtClean="0"/>
-              <a:t>4/13/2019</a:t>
+              <a:t>4/13/19</a:t>
             </a:fld>
             <a:endParaRPr lang="en-US"/>
           </a:p>
@@ -6043,10 +6043,38 @@
             <a:endParaRPr lang="en-US" dirty="0"/>
           </a:p>
           <a:p>
+            <a:pPr lvl="0"/>
             <a:r>
               <a:rPr lang="en-US" dirty="0"/>
               <a:t>Data - </a:t>
             </a:r>
+            <a:r>
+              <a:rPr lang="en-US" dirty="0">
+                <a:hlinkClick r:id="rId2"/>
+              </a:rPr>
+              <a:t> Kaggle</a:t>
+            </a:r>
+            <a:r>
+              <a:rPr lang="en-US" dirty="0"/>
+              <a:t> Contains information about cars used in United States from 1990 to 2017.It includes information like Engine type, Miles per Gallon, Popularity, MSRP for each Model.</a:t>
+            </a:r>
+          </a:p>
+          <a:p>
+            <a:pPr lvl="0"/>
+            <a:r>
+              <a:rPr lang="en-US" dirty="0">
+                <a:hlinkClick r:id="rId3"/>
+              </a:rPr>
+              <a:t> afdc.gov</a:t>
+            </a:r>
+            <a:r>
+              <a:rPr lang="en-US" dirty="0"/>
+              <a:t>  Contains information about sales of electric cars in United States from 2011 to 2016 for different brands and models. </a:t>
+            </a:r>
+          </a:p>
+          <a:p>
+            <a:pPr lvl="0"/>
+            <a:endParaRPr lang="en-US" dirty="0"/>
           </a:p>
         </p:txBody>
       </p:sp>
